--- a/lectures/lecture09_variants.pptx
+++ b/lectures/lecture09_variants.pptx
@@ -269,7 +269,7 @@
               <a:pPr>
                 <a:defRPr/>
               </a:pPr>
-              <a:t>2/22/17</a:t>
+              <a:t>2/23/17</a:t>
             </a:fld>
             <a:endParaRPr lang="en-US"/>
           </a:p>
@@ -479,7 +479,7 @@
               <a:pPr>
                 <a:defRPr/>
               </a:pPr>
-              <a:t>2/22/17</a:t>
+              <a:t>2/23/17</a:t>
             </a:fld>
             <a:endParaRPr lang="en-US"/>
           </a:p>
@@ -1730,7 +1730,7 @@
               <a:pPr>
                 <a:defRPr/>
               </a:pPr>
-              <a:t>2/22/17</a:t>
+              <a:t>2/23/17</a:t>
             </a:fld>
             <a:endParaRPr lang="en-US"/>
           </a:p>
@@ -1927,7 +1927,7 @@
               <a:pPr>
                 <a:defRPr/>
               </a:pPr>
-              <a:t>2/22/17</a:t>
+              <a:t>2/23/17</a:t>
             </a:fld>
             <a:endParaRPr lang="en-US"/>
           </a:p>
@@ -2134,7 +2134,7 @@
               <a:pPr>
                 <a:defRPr/>
               </a:pPr>
-              <a:t>2/22/17</a:t>
+              <a:t>2/23/17</a:t>
             </a:fld>
             <a:endParaRPr lang="en-US"/>
           </a:p>
@@ -2331,7 +2331,7 @@
               <a:pPr>
                 <a:defRPr/>
               </a:pPr>
-              <a:t>2/22/17</a:t>
+              <a:t>2/23/17</a:t>
             </a:fld>
             <a:endParaRPr lang="en-US"/>
           </a:p>
@@ -2604,7 +2604,7 @@
               <a:pPr>
                 <a:defRPr/>
               </a:pPr>
-              <a:t>2/22/17</a:t>
+              <a:t>2/23/17</a:t>
             </a:fld>
             <a:endParaRPr lang="en-US"/>
           </a:p>
@@ -2919,7 +2919,7 @@
               <a:pPr>
                 <a:defRPr/>
               </a:pPr>
-              <a:t>2/22/17</a:t>
+              <a:t>2/23/17</a:t>
             </a:fld>
             <a:endParaRPr lang="en-US"/>
           </a:p>
@@ -3368,7 +3368,7 @@
               <a:pPr>
                 <a:defRPr/>
               </a:pPr>
-              <a:t>2/22/17</a:t>
+              <a:t>2/23/17</a:t>
             </a:fld>
             <a:endParaRPr lang="en-US"/>
           </a:p>
@@ -3513,7 +3513,7 @@
               <a:pPr>
                 <a:defRPr/>
               </a:pPr>
-              <a:t>2/22/17</a:t>
+              <a:t>2/23/17</a:t>
             </a:fld>
             <a:endParaRPr lang="en-US"/>
           </a:p>
@@ -3635,7 +3635,7 @@
               <a:pPr>
                 <a:defRPr/>
               </a:pPr>
-              <a:t>2/22/17</a:t>
+              <a:t>2/23/17</a:t>
             </a:fld>
             <a:endParaRPr lang="en-US"/>
           </a:p>
@@ -3939,7 +3939,7 @@
               <a:pPr>
                 <a:defRPr/>
               </a:pPr>
-              <a:t>2/22/17</a:t>
+              <a:t>2/23/17</a:t>
             </a:fld>
             <a:endParaRPr lang="en-US"/>
           </a:p>
@@ -4222,7 +4222,7 @@
               <a:pPr>
                 <a:defRPr/>
               </a:pPr>
-              <a:t>2/22/17</a:t>
+              <a:t>2/23/17</a:t>
             </a:fld>
             <a:endParaRPr lang="en-US"/>
           </a:p>
@@ -4516,7 +4516,7 @@
               <a:pPr>
                 <a:defRPr/>
               </a:pPr>
-              <a:t>2/22/17</a:t>
+              <a:t>2/23/17</a:t>
             </a:fld>
             <a:endParaRPr lang="en-US"/>
           </a:p>
@@ -5983,80 +5983,9 @@
   <p:timing>
     <p:tnLst>
       <p:par>
-        <p:cTn xmlns:p14="http://schemas.microsoft.com/office/powerpoint/2010/main" id="1" dur="indefinite" restart="never" nodeType="tmRoot">
-          <p:childTnLst>
-            <p:seq concurrent="1" nextAc="seek">
-              <p:cTn id="2" dur="indefinite" nodeType="mainSeq">
-                <p:childTnLst>
-                  <p:par>
-                    <p:cTn id="3" fill="hold">
-                      <p:stCondLst>
-                        <p:cond delay="indefinite"/>
-                      </p:stCondLst>
-                      <p:childTnLst>
-                        <p:par>
-                          <p:cTn id="4" fill="hold">
-                            <p:stCondLst>
-                              <p:cond delay="0"/>
-                            </p:stCondLst>
-                            <p:childTnLst>
-                              <p:par>
-                                <p:cTn id="5" presetID="1" presetClass="entr" presetSubtype="0" fill="hold" grpId="0" nodeType="clickEffect">
-                                  <p:stCondLst>
-                                    <p:cond delay="0"/>
-                                  </p:stCondLst>
-                                  <p:childTnLst>
-                                    <p:set>
-                                      <p:cBhvr>
-                                        <p:cTn id="6" dur="1" fill="hold">
-                                          <p:stCondLst>
-                                            <p:cond delay="0"/>
-                                          </p:stCondLst>
-                                        </p:cTn>
-                                        <p:tgtEl>
-                                          <p:spTgt spid="5"/>
-                                        </p:tgtEl>
-                                        <p:attrNameLst>
-                                          <p:attrName>style.visibility</p:attrName>
-                                        </p:attrNameLst>
-                                      </p:cBhvr>
-                                      <p:to>
-                                        <p:strVal val="visible"/>
-                                      </p:to>
-                                    </p:set>
-                                  </p:childTnLst>
-                                </p:cTn>
-                              </p:par>
-                            </p:childTnLst>
-                          </p:cTn>
-                        </p:par>
-                      </p:childTnLst>
-                    </p:cTn>
-                  </p:par>
-                </p:childTnLst>
-              </p:cTn>
-              <p:prevCondLst>
-                <p:cond evt="onPrev" delay="0">
-                  <p:tgtEl>
-                    <p:sldTgt/>
-                  </p:tgtEl>
-                </p:cond>
-              </p:prevCondLst>
-              <p:nextCondLst>
-                <p:cond evt="onNext" delay="0">
-                  <p:tgtEl>
-                    <p:sldTgt/>
-                  </p:tgtEl>
-                </p:cond>
-              </p:nextCondLst>
-            </p:seq>
-          </p:childTnLst>
-        </p:cTn>
+        <p:cTn xmlns:p14="http://schemas.microsoft.com/office/powerpoint/2010/main" id="1" dur="indefinite" restart="never" nodeType="tmRoot"/>
       </p:par>
     </p:tnLst>
-    <p:bldLst>
-      <p:bldP spid="5" grpId="0"/>
-    </p:bldLst>
   </p:timing>
 </p:sld>
 </file>
@@ -11882,14 +11811,14 @@
           <a:lstStyle/>
           <a:p>
             <a:r>
-              <a:rPr lang="en-US" sz="2800" dirty="0" err="1" smtClean="0">
+              <a:rPr lang="en-US" sz="2800" dirty="0" smtClean="0">
                 <a:solidFill>
                   <a:schemeClr val="tx2">
                     <a:lumMod val="75000"/>
                   </a:schemeClr>
                 </a:solidFill>
               </a:rPr>
-              <a:t>VCFtools</a:t>
+              <a:t>GATK</a:t>
             </a:r>
             <a:r>
               <a:rPr lang="en-US" sz="2800" dirty="0" smtClean="0"/>
@@ -12326,6 +12255,13 @@
   <p:clrMapOvr>
     <a:masterClrMapping/>
   </p:clrMapOvr>
+  <p:timing>
+    <p:tnLst>
+      <p:par>
+        <p:cTn xmlns:p14="http://schemas.microsoft.com/office/powerpoint/2010/main" id="1" dur="indefinite" restart="never" nodeType="tmRoot"/>
+      </p:par>
+    </p:tnLst>
+  </p:timing>
 </p:sld>
 </file>
 
@@ -15034,6 +14970,13 @@
   <p:clrMapOvr>
     <a:masterClrMapping/>
   </p:clrMapOvr>
+  <p:timing>
+    <p:tnLst>
+      <p:par>
+        <p:cTn xmlns:p14="http://schemas.microsoft.com/office/powerpoint/2010/main" id="1" dur="indefinite" restart="never" nodeType="tmRoot"/>
+      </p:par>
+    </p:tnLst>
+  </p:timing>
 </p:sld>
 </file>
 
@@ -16576,8 +16519,8 @@
         </p:blipFill>
         <p:spPr>
           <a:xfrm>
-            <a:off x="5299427" y="1905104"/>
-            <a:ext cx="3844573" cy="1701696"/>
+            <a:off x="5752274" y="1905104"/>
+            <a:ext cx="3391725" cy="1501256"/>
           </a:xfrm>
           <a:prstGeom prst="rect">
             <a:avLst/>
